--- a/Frontend/Distribution/01.introduction.pptx
+++ b/Frontend/Distribution/01.introduction.pptx
@@ -562,7 +562,7 @@
             <a:fld id="{C45443A1-D8F2-48CD-A659-3CEDBA8DF541}" type="datetimeFigureOut">
               <a:rPr lang="zh-CN" altLang="en-US" smtClean="0"/>
               <a:pPr/>
-              <a:t>2022/10/15</a:t>
+              <a:t>2022/11/6</a:t>
             </a:fld>
             <a:endParaRPr lang="zh-CN" altLang="en-US"/>
           </a:p>
@@ -954,7 +954,7 @@
           <a:p>
             <a:fld id="{5190CEF9-362C-4F6D-B9B0-1E4FED2139D6}" type="datetime8">
               <a:rPr lang="en-US" smtClean="0"/>
-              <a:t>10/15/22 1:39 PM</a:t>
+              <a:t>11/6/22 12:09 PM</a:t>
             </a:fld>
             <a:endParaRPr lang="en-US"/>
           </a:p>
@@ -1119,7 +1119,7 @@
           <a:p>
             <a:fld id="{5190CEF9-362C-4F6D-B9B0-1E4FED2139D6}" type="datetime8">
               <a:rPr lang="en-US" smtClean="0"/>
-              <a:t>10/15/22 1:39 PM</a:t>
+              <a:t>11/6/22 12:09 PM</a:t>
             </a:fld>
             <a:endParaRPr lang="en-US"/>
           </a:p>
@@ -1284,7 +1284,7 @@
           <a:p>
             <a:fld id="{5190CEF9-362C-4F6D-B9B0-1E4FED2139D6}" type="datetime8">
               <a:rPr lang="en-US" smtClean="0"/>
-              <a:t>10/15/22 1:39 PM</a:t>
+              <a:t>11/6/22 12:09 PM</a:t>
             </a:fld>
             <a:endParaRPr lang="en-US"/>
           </a:p>
@@ -1449,7 +1449,7 @@
           <a:p>
             <a:fld id="{5190CEF9-362C-4F6D-B9B0-1E4FED2139D6}" type="datetime8">
               <a:rPr lang="en-US" smtClean="0"/>
-              <a:t>10/15/22 1:39 PM</a:t>
+              <a:t>11/6/22 12:09 PM</a:t>
             </a:fld>
             <a:endParaRPr lang="en-US"/>
           </a:p>
@@ -18746,65 +18746,6 @@
       </p:grpSpPr>
       <p:sp>
         <p:nvSpPr>
-          <p:cNvPr id="2" name="标题 1"/>
-          <p:cNvSpPr>
-            <a:spLocks noGrp="1"/>
-          </p:cNvSpPr>
-          <p:nvPr>
-            <p:ph type="ctrTitle"/>
-          </p:nvPr>
-        </p:nvSpPr>
-        <p:spPr>
-          <a:xfrm>
-            <a:off x="913805" y="908720"/>
-            <a:ext cx="6432978" cy="3096343"/>
-          </a:xfrm>
-          <a:solidFill>
-            <a:srgbClr val="FFFFFF">
-              <a:alpha val="9804"/>
-            </a:srgbClr>
-          </a:solidFill>
-        </p:spPr>
-        <p:txBody>
-          <a:bodyPr anchor="ctr">
-            <a:noAutofit/>
-          </a:bodyPr>
-          <a:lstStyle/>
-          <a:p>
-            <a:r>
-              <a:rPr lang="zh-CN" altLang="en-US" sz="9600" dirty="0">
-                <a:solidFill>
-                  <a:schemeClr val="bg1"/>
-                </a:solidFill>
-                <a:latin typeface="Microsoft YaHei" panose="020B0503020204020204" pitchFamily="34" charset="-122"/>
-                <a:ea typeface="Microsoft YaHei" panose="020B0503020204020204" pitchFamily="34" charset="-122"/>
-              </a:rPr>
-              <a:t>大模型与</a:t>
-            </a:r>
-            <a:br>
-              <a:rPr lang="en-US" altLang="zh-CN" sz="9600" dirty="0">
-                <a:solidFill>
-                  <a:schemeClr val="bg1"/>
-                </a:solidFill>
-                <a:latin typeface="Microsoft YaHei" panose="020B0503020204020204" pitchFamily="34" charset="-122"/>
-                <a:ea typeface="Microsoft YaHei" panose="020B0503020204020204" pitchFamily="34" charset="-122"/>
-              </a:rPr>
-            </a:br>
-            <a:r>
-              <a:rPr lang="zh-CN" altLang="en-US" sz="9600" dirty="0">
-                <a:solidFill>
-                  <a:schemeClr val="bg1"/>
-                </a:solidFill>
-                <a:latin typeface="Microsoft YaHei" panose="020B0503020204020204" pitchFamily="34" charset="-122"/>
-                <a:ea typeface="Microsoft YaHei" panose="020B0503020204020204" pitchFamily="34" charset="-122"/>
-              </a:rPr>
-              <a:t>分布式训练</a:t>
-            </a:r>
-          </a:p>
-        </p:txBody>
-      </p:sp>
-      <p:sp>
-        <p:nvSpPr>
           <p:cNvPr id="6" name="副标题 2">
             <a:extLst>
               <a:ext uri="{FF2B5EF4-FFF2-40B4-BE49-F238E27FC236}">
@@ -18897,6 +18838,418 @@
           <a:effectLst/>
         </p:spPr>
       </p:pic>
+      <p:sp>
+        <p:nvSpPr>
+          <p:cNvPr id="8" name="标题 1">
+            <a:extLst>
+              <a:ext uri="{FF2B5EF4-FFF2-40B4-BE49-F238E27FC236}">
+                <a16:creationId xmlns:a16="http://schemas.microsoft.com/office/drawing/2014/main" id="{4FD868D2-8407-2044-9E93-5FFE92CC3336}"/>
+              </a:ext>
+            </a:extLst>
+          </p:cNvPr>
+          <p:cNvSpPr txBox="1">
+            <a:spLocks/>
+          </p:cNvSpPr>
+          <p:nvPr/>
+        </p:nvSpPr>
+        <p:spPr>
+          <a:xfrm>
+            <a:off x="337741" y="692696"/>
+            <a:ext cx="5976664" cy="953563"/>
+          </a:xfrm>
+          <a:prstGeom prst="rect">
+            <a:avLst/>
+          </a:prstGeom>
+          <a:noFill/>
+        </p:spPr>
+        <p:txBody>
+          <a:bodyPr anchor="ctr">
+            <a:noAutofit/>
+          </a:bodyPr>
+          <a:lstStyle>
+            <a:lvl1pPr algn="l" rtl="0" eaLnBrk="0" fontAlgn="base" hangingPunct="0">
+              <a:spcBef>
+                <a:spcPct val="0"/>
+              </a:spcBef>
+              <a:spcAft>
+                <a:spcPct val="0"/>
+              </a:spcAft>
+              <a:defRPr sz="4265" b="1">
+                <a:solidFill>
+                  <a:srgbClr val="0070C0"/>
+                </a:solidFill>
+                <a:latin typeface="微软雅黑" pitchFamily="34" charset="-122"/>
+                <a:ea typeface="微软雅黑" pitchFamily="34" charset="-122"/>
+                <a:cs typeface="Arial" pitchFamily="34" charset="0"/>
+              </a:defRPr>
+            </a:lvl1pPr>
+            <a:lvl2pPr algn="l" rtl="0" eaLnBrk="0" fontAlgn="base" hangingPunct="0">
+              <a:spcBef>
+                <a:spcPct val="0"/>
+              </a:spcBef>
+              <a:spcAft>
+                <a:spcPct val="0"/>
+              </a:spcAft>
+              <a:defRPr sz="4265" b="1">
+                <a:solidFill>
+                  <a:srgbClr val="990000"/>
+                </a:solidFill>
+                <a:latin typeface="Arial" charset="0"/>
+                <a:ea typeface="黑体" pitchFamily="49" charset="-122"/>
+                <a:cs typeface="Arial" charset="0"/>
+              </a:defRPr>
+            </a:lvl2pPr>
+            <a:lvl3pPr algn="l" rtl="0" eaLnBrk="0" fontAlgn="base" hangingPunct="0">
+              <a:spcBef>
+                <a:spcPct val="0"/>
+              </a:spcBef>
+              <a:spcAft>
+                <a:spcPct val="0"/>
+              </a:spcAft>
+              <a:defRPr sz="4265" b="1">
+                <a:solidFill>
+                  <a:srgbClr val="990000"/>
+                </a:solidFill>
+                <a:latin typeface="Arial" charset="0"/>
+                <a:ea typeface="黑体" pitchFamily="49" charset="-122"/>
+                <a:cs typeface="Arial" charset="0"/>
+              </a:defRPr>
+            </a:lvl3pPr>
+            <a:lvl4pPr algn="l" rtl="0" eaLnBrk="0" fontAlgn="base" hangingPunct="0">
+              <a:spcBef>
+                <a:spcPct val="0"/>
+              </a:spcBef>
+              <a:spcAft>
+                <a:spcPct val="0"/>
+              </a:spcAft>
+              <a:defRPr sz="4265" b="1">
+                <a:solidFill>
+                  <a:srgbClr val="990000"/>
+                </a:solidFill>
+                <a:latin typeface="Arial" charset="0"/>
+                <a:ea typeface="黑体" pitchFamily="49" charset="-122"/>
+                <a:cs typeface="Arial" charset="0"/>
+              </a:defRPr>
+            </a:lvl4pPr>
+            <a:lvl5pPr algn="l" rtl="0" eaLnBrk="0" fontAlgn="base" hangingPunct="0">
+              <a:spcBef>
+                <a:spcPct val="0"/>
+              </a:spcBef>
+              <a:spcAft>
+                <a:spcPct val="0"/>
+              </a:spcAft>
+              <a:defRPr sz="4265" b="1">
+                <a:solidFill>
+                  <a:srgbClr val="990000"/>
+                </a:solidFill>
+                <a:latin typeface="Arial" charset="0"/>
+                <a:ea typeface="黑体" pitchFamily="49" charset="-122"/>
+                <a:cs typeface="Arial" charset="0"/>
+              </a:defRPr>
+            </a:lvl5pPr>
+            <a:lvl6pPr marL="609402" algn="l" rtl="0" eaLnBrk="1" fontAlgn="base" hangingPunct="1">
+              <a:spcBef>
+                <a:spcPct val="0"/>
+              </a:spcBef>
+              <a:spcAft>
+                <a:spcPct val="0"/>
+              </a:spcAft>
+              <a:defRPr sz="4265" b="1">
+                <a:solidFill>
+                  <a:srgbClr val="990000"/>
+                </a:solidFill>
+                <a:latin typeface="FrutigerNext LT Medium" pitchFamily="34" charset="0"/>
+                <a:ea typeface="华文细黑" pitchFamily="2" charset="-122"/>
+                <a:cs typeface="宋体" charset="-122"/>
+              </a:defRPr>
+            </a:lvl6pPr>
+            <a:lvl7pPr marL="1218804" algn="l" rtl="0" eaLnBrk="1" fontAlgn="base" hangingPunct="1">
+              <a:spcBef>
+                <a:spcPct val="0"/>
+              </a:spcBef>
+              <a:spcAft>
+                <a:spcPct val="0"/>
+              </a:spcAft>
+              <a:defRPr sz="4265" b="1">
+                <a:solidFill>
+                  <a:srgbClr val="990000"/>
+                </a:solidFill>
+                <a:latin typeface="FrutigerNext LT Medium" pitchFamily="34" charset="0"/>
+                <a:ea typeface="华文细黑" pitchFamily="2" charset="-122"/>
+                <a:cs typeface="宋体" charset="-122"/>
+              </a:defRPr>
+            </a:lvl7pPr>
+            <a:lvl8pPr marL="1828206" algn="l" rtl="0" eaLnBrk="1" fontAlgn="base" hangingPunct="1">
+              <a:spcBef>
+                <a:spcPct val="0"/>
+              </a:spcBef>
+              <a:spcAft>
+                <a:spcPct val="0"/>
+              </a:spcAft>
+              <a:defRPr sz="4265" b="1">
+                <a:solidFill>
+                  <a:srgbClr val="990000"/>
+                </a:solidFill>
+                <a:latin typeface="FrutigerNext LT Medium" pitchFamily="34" charset="0"/>
+                <a:ea typeface="华文细黑" pitchFamily="2" charset="-122"/>
+                <a:cs typeface="宋体" charset="-122"/>
+              </a:defRPr>
+            </a:lvl8pPr>
+            <a:lvl9pPr marL="2437608" algn="l" rtl="0" eaLnBrk="1" fontAlgn="base" hangingPunct="1">
+              <a:spcBef>
+                <a:spcPct val="0"/>
+              </a:spcBef>
+              <a:spcAft>
+                <a:spcPct val="0"/>
+              </a:spcAft>
+              <a:defRPr sz="4265" b="1">
+                <a:solidFill>
+                  <a:srgbClr val="990000"/>
+                </a:solidFill>
+                <a:latin typeface="FrutigerNext LT Medium" pitchFamily="34" charset="0"/>
+                <a:ea typeface="华文细黑" pitchFamily="2" charset="-122"/>
+                <a:cs typeface="宋体" charset="-122"/>
+              </a:defRPr>
+            </a:lvl9pPr>
+          </a:lstStyle>
+          <a:p>
+            <a:pPr algn="dist"/>
+            <a:r>
+              <a:rPr lang="zh-CN" altLang="en-US" sz="6600" kern="0">
+                <a:solidFill>
+                  <a:schemeClr val="bg1"/>
+                </a:solidFill>
+                <a:latin typeface="Microsoft YaHei" panose="020B0503020204020204" pitchFamily="34" charset="-122"/>
+                <a:ea typeface="Microsoft YaHei" panose="020B0503020204020204" pitchFamily="34" charset="-122"/>
+              </a:rPr>
+              <a:t>分布式训练</a:t>
+            </a:r>
+            <a:r>
+              <a:rPr lang="zh-CN" altLang="en-US" sz="4000" kern="0">
+                <a:solidFill>
+                  <a:schemeClr val="bg1"/>
+                </a:solidFill>
+                <a:latin typeface="Microsoft YaHei" panose="020B0503020204020204" pitchFamily="34" charset="-122"/>
+                <a:ea typeface="Microsoft YaHei" panose="020B0503020204020204" pitchFamily="34" charset="-122"/>
+              </a:rPr>
+              <a:t>系列</a:t>
+            </a:r>
+            <a:endParaRPr lang="zh-CN" altLang="en-US" sz="6600" kern="0" dirty="0">
+              <a:solidFill>
+                <a:schemeClr val="bg1"/>
+              </a:solidFill>
+              <a:latin typeface="Microsoft YaHei" panose="020B0503020204020204" pitchFamily="34" charset="-122"/>
+              <a:ea typeface="Microsoft YaHei" panose="020B0503020204020204" pitchFamily="34" charset="-122"/>
+            </a:endParaRPr>
+          </a:p>
+        </p:txBody>
+      </p:sp>
+      <p:sp>
+        <p:nvSpPr>
+          <p:cNvPr id="9" name="标题 1">
+            <a:extLst>
+              <a:ext uri="{FF2B5EF4-FFF2-40B4-BE49-F238E27FC236}">
+                <a16:creationId xmlns:a16="http://schemas.microsoft.com/office/drawing/2014/main" id="{AB7A3986-27E4-F44D-9973-E69BB70DD531}"/>
+              </a:ext>
+            </a:extLst>
+          </p:cNvPr>
+          <p:cNvSpPr txBox="1">
+            <a:spLocks/>
+          </p:cNvSpPr>
+          <p:nvPr/>
+        </p:nvSpPr>
+        <p:spPr>
+          <a:xfrm>
+            <a:off x="337741" y="1772816"/>
+            <a:ext cx="6120680" cy="1872208"/>
+          </a:xfrm>
+          <a:prstGeom prst="rect">
+            <a:avLst/>
+          </a:prstGeom>
+          <a:gradFill flip="none" rotWithShape="1">
+            <a:gsLst>
+              <a:gs pos="30000">
+                <a:schemeClr val="bg1">
+                  <a:alpha val="0"/>
+                </a:schemeClr>
+              </a:gs>
+              <a:gs pos="63000">
+                <a:schemeClr val="bg1">
+                  <a:alpha val="32000"/>
+                </a:schemeClr>
+              </a:gs>
+              <a:gs pos="100000">
+                <a:srgbClr val="6FC4F7"/>
+              </a:gs>
+            </a:gsLst>
+            <a:lin ang="0" scaled="0"/>
+            <a:tileRect/>
+          </a:gradFill>
+        </p:spPr>
+        <p:txBody>
+          <a:bodyPr anchor="ctr">
+            <a:noAutofit/>
+          </a:bodyPr>
+          <a:lstStyle>
+            <a:lvl1pPr algn="l" rtl="0" eaLnBrk="0" fontAlgn="base" hangingPunct="0">
+              <a:spcBef>
+                <a:spcPct val="0"/>
+              </a:spcBef>
+              <a:spcAft>
+                <a:spcPct val="0"/>
+              </a:spcAft>
+              <a:defRPr sz="4265" b="1">
+                <a:solidFill>
+                  <a:srgbClr val="0070C0"/>
+                </a:solidFill>
+                <a:latin typeface="微软雅黑" pitchFamily="34" charset="-122"/>
+                <a:ea typeface="微软雅黑" pitchFamily="34" charset="-122"/>
+                <a:cs typeface="Arial" pitchFamily="34" charset="0"/>
+              </a:defRPr>
+            </a:lvl1pPr>
+            <a:lvl2pPr algn="l" rtl="0" eaLnBrk="0" fontAlgn="base" hangingPunct="0">
+              <a:spcBef>
+                <a:spcPct val="0"/>
+              </a:spcBef>
+              <a:spcAft>
+                <a:spcPct val="0"/>
+              </a:spcAft>
+              <a:defRPr sz="4265" b="1">
+                <a:solidFill>
+                  <a:srgbClr val="990000"/>
+                </a:solidFill>
+                <a:latin typeface="Arial" charset="0"/>
+                <a:ea typeface="黑体" pitchFamily="49" charset="-122"/>
+                <a:cs typeface="Arial" charset="0"/>
+              </a:defRPr>
+            </a:lvl2pPr>
+            <a:lvl3pPr algn="l" rtl="0" eaLnBrk="0" fontAlgn="base" hangingPunct="0">
+              <a:spcBef>
+                <a:spcPct val="0"/>
+              </a:spcBef>
+              <a:spcAft>
+                <a:spcPct val="0"/>
+              </a:spcAft>
+              <a:defRPr sz="4265" b="1">
+                <a:solidFill>
+                  <a:srgbClr val="990000"/>
+                </a:solidFill>
+                <a:latin typeface="Arial" charset="0"/>
+                <a:ea typeface="黑体" pitchFamily="49" charset="-122"/>
+                <a:cs typeface="Arial" charset="0"/>
+              </a:defRPr>
+            </a:lvl3pPr>
+            <a:lvl4pPr algn="l" rtl="0" eaLnBrk="0" fontAlgn="base" hangingPunct="0">
+              <a:spcBef>
+                <a:spcPct val="0"/>
+              </a:spcBef>
+              <a:spcAft>
+                <a:spcPct val="0"/>
+              </a:spcAft>
+              <a:defRPr sz="4265" b="1">
+                <a:solidFill>
+                  <a:srgbClr val="990000"/>
+                </a:solidFill>
+                <a:latin typeface="Arial" charset="0"/>
+                <a:ea typeface="黑体" pitchFamily="49" charset="-122"/>
+                <a:cs typeface="Arial" charset="0"/>
+              </a:defRPr>
+            </a:lvl4pPr>
+            <a:lvl5pPr algn="l" rtl="0" eaLnBrk="0" fontAlgn="base" hangingPunct="0">
+              <a:spcBef>
+                <a:spcPct val="0"/>
+              </a:spcBef>
+              <a:spcAft>
+                <a:spcPct val="0"/>
+              </a:spcAft>
+              <a:defRPr sz="4265" b="1">
+                <a:solidFill>
+                  <a:srgbClr val="990000"/>
+                </a:solidFill>
+                <a:latin typeface="Arial" charset="0"/>
+                <a:ea typeface="黑体" pitchFamily="49" charset="-122"/>
+                <a:cs typeface="Arial" charset="0"/>
+              </a:defRPr>
+            </a:lvl5pPr>
+            <a:lvl6pPr marL="609402" algn="l" rtl="0" eaLnBrk="1" fontAlgn="base" hangingPunct="1">
+              <a:spcBef>
+                <a:spcPct val="0"/>
+              </a:spcBef>
+              <a:spcAft>
+                <a:spcPct val="0"/>
+              </a:spcAft>
+              <a:defRPr sz="4265" b="1">
+                <a:solidFill>
+                  <a:srgbClr val="990000"/>
+                </a:solidFill>
+                <a:latin typeface="FrutigerNext LT Medium" pitchFamily="34" charset="0"/>
+                <a:ea typeface="华文细黑" pitchFamily="2" charset="-122"/>
+                <a:cs typeface="宋体" charset="-122"/>
+              </a:defRPr>
+            </a:lvl6pPr>
+            <a:lvl7pPr marL="1218804" algn="l" rtl="0" eaLnBrk="1" fontAlgn="base" hangingPunct="1">
+              <a:spcBef>
+                <a:spcPct val="0"/>
+              </a:spcBef>
+              <a:spcAft>
+                <a:spcPct val="0"/>
+              </a:spcAft>
+              <a:defRPr sz="4265" b="1">
+                <a:solidFill>
+                  <a:srgbClr val="990000"/>
+                </a:solidFill>
+                <a:latin typeface="FrutigerNext LT Medium" pitchFamily="34" charset="0"/>
+                <a:ea typeface="华文细黑" pitchFamily="2" charset="-122"/>
+                <a:cs typeface="宋体" charset="-122"/>
+              </a:defRPr>
+            </a:lvl7pPr>
+            <a:lvl8pPr marL="1828206" algn="l" rtl="0" eaLnBrk="1" fontAlgn="base" hangingPunct="1">
+              <a:spcBef>
+                <a:spcPct val="0"/>
+              </a:spcBef>
+              <a:spcAft>
+                <a:spcPct val="0"/>
+              </a:spcAft>
+              <a:defRPr sz="4265" b="1">
+                <a:solidFill>
+                  <a:srgbClr val="990000"/>
+                </a:solidFill>
+                <a:latin typeface="FrutigerNext LT Medium" pitchFamily="34" charset="0"/>
+                <a:ea typeface="华文细黑" pitchFamily="2" charset="-122"/>
+                <a:cs typeface="宋体" charset="-122"/>
+              </a:defRPr>
+            </a:lvl8pPr>
+            <a:lvl9pPr marL="2437608" algn="l" rtl="0" eaLnBrk="1" fontAlgn="base" hangingPunct="1">
+              <a:spcBef>
+                <a:spcPct val="0"/>
+              </a:spcBef>
+              <a:spcAft>
+                <a:spcPct val="0"/>
+              </a:spcAft>
+              <a:defRPr sz="4265" b="1">
+                <a:solidFill>
+                  <a:srgbClr val="990000"/>
+                </a:solidFill>
+                <a:latin typeface="FrutigerNext LT Medium" pitchFamily="34" charset="0"/>
+                <a:ea typeface="华文细黑" pitchFamily="2" charset="-122"/>
+                <a:cs typeface="宋体" charset="-122"/>
+              </a:defRPr>
+            </a:lvl9pPr>
+          </a:lstStyle>
+          <a:p>
+            <a:r>
+              <a:rPr lang="zh-CN" altLang="en-US" sz="9600" kern="0" dirty="0">
+                <a:solidFill>
+                  <a:schemeClr val="bg1"/>
+                </a:solidFill>
+                <a:latin typeface="Microsoft YaHei" panose="020B0503020204020204" pitchFamily="34" charset="-122"/>
+                <a:ea typeface="Microsoft YaHei" panose="020B0503020204020204" pitchFamily="34" charset="-122"/>
+              </a:rPr>
+              <a:t>基本介绍</a:t>
+            </a:r>
+          </a:p>
+        </p:txBody>
+      </p:sp>
     </p:spTree>
     <p:extLst>
       <p:ext uri="{BB962C8B-B14F-4D97-AF65-F5344CB8AC3E}">
